--- a/期中演示.pptx
+++ b/期中演示.pptx
@@ -11,6 +11,8 @@
     <p:sldId id="259" r:id="rId6"/>
     <p:sldId id="260" r:id="rId7"/>
     <p:sldId id="261" r:id="rId8"/>
+    <p:sldId id="262" r:id="rId9"/>
+    <p:sldId id="263" r:id="rId10"/>
   </p:sldIdLst>
   <p:sldSz cx="12192000" cy="6858000"/>
   <p:notesSz cx="6858000" cy="9144000"/>
@@ -2983,7 +2985,7 @@
       <p:grpSpPr/>
       <p:pic>
         <p:nvPicPr>
-          <p:cNvPr id="6" name="图片 5"/>
+          <p:cNvPr id="3" name="图片 2"/>
           <p:cNvPicPr>
             <a:picLocks noChangeAspect="1"/>
           </p:cNvPicPr>
@@ -2997,8 +2999,8 @@
         </p:blipFill>
         <p:spPr>
           <a:xfrm>
-            <a:off x="2384425" y="1362075"/>
-            <a:ext cx="7423150" cy="4133850"/>
+            <a:off x="2649855" y="1336675"/>
+            <a:ext cx="6324600" cy="4184650"/>
           </a:xfrm>
           <a:prstGeom prst="rect">
             <a:avLst/>
@@ -3053,7 +3055,7 @@
         </p:blipFill>
         <p:spPr>
           <a:xfrm>
-            <a:off x="1667510" y="1691005"/>
+            <a:off x="1435735" y="1336675"/>
             <a:ext cx="10109200" cy="4424680"/>
           </a:xfrm>
           <a:prstGeom prst="rect">
@@ -3077,7 +3079,7 @@
         </p:blipFill>
         <p:spPr>
           <a:xfrm>
-            <a:off x="2384425" y="1441450"/>
+            <a:off x="1435735" y="1336675"/>
             <a:ext cx="8801735" cy="5205095"/>
           </a:xfrm>
           <a:prstGeom prst="rect">
@@ -5494,6 +5496,1247 @@
                                         <p:cTn id="29" dur="500" fill="hold"/>
                                         <p:tgtEl>
                                           <p:spTgt spid="12"/>
+                                        </p:tgtEl>
+                                        <p:attrNameLst>
+                                          <p:attrName>ppt_y</p:attrName>
+                                        </p:attrNameLst>
+                                      </p:cBhvr>
+                                      <p:tavLst>
+                                        <p:tav tm="0">
+                                          <p:val>
+                                            <p:strVal val="1+#ppt_h/2"/>
+                                          </p:val>
+                                        </p:tav>
+                                        <p:tav tm="100000">
+                                          <p:val>
+                                            <p:strVal val="#ppt_y"/>
+                                          </p:val>
+                                        </p:tav>
+                                      </p:tavLst>
+                                    </p:anim>
+                                  </p:childTnLst>
+                                </p:cTn>
+                              </p:par>
+                            </p:childTnLst>
+                          </p:cTn>
+                        </p:par>
+                      </p:childTnLst>
+                    </p:cTn>
+                  </p:par>
+                </p:childTnLst>
+              </p:cTn>
+              <p:prevCondLst>
+                <p:cond evt="onPrev" delay="0">
+                  <p:tgtEl>
+                    <p:sldTgt/>
+                  </p:tgtEl>
+                </p:cond>
+              </p:prevCondLst>
+              <p:nextCondLst>
+                <p:cond evt="onNext" delay="0">
+                  <p:tgtEl>
+                    <p:sldTgt/>
+                  </p:tgtEl>
+                </p:cond>
+              </p:nextCondLst>
+            </p:seq>
+          </p:childTnLst>
+        </p:cTn>
+      </p:par>
+    </p:tnLst>
+  </p:timing>
+</p:sld>
+</file>
+
+<file path=ppt/slides/slide7.xml><?xml version="1.0" encoding="utf-8"?>
+<p:sld xmlns:a="http://schemas.openxmlformats.org/drawingml/2006/main" xmlns:r="http://schemas.openxmlformats.org/officeDocument/2006/relationships" xmlns:p="http://schemas.openxmlformats.org/presentationml/2006/main">
+  <p:cSld>
+    <p:spTree>
+      <p:nvGrpSpPr>
+        <p:cNvPr id="1" name=""/>
+        <p:cNvGrpSpPr/>
+        <p:nvPr/>
+      </p:nvGrpSpPr>
+      <p:grpSpPr/>
+      <p:sp>
+        <p:nvSpPr>
+          <p:cNvPr id="2" name="标题 1"/>
+          <p:cNvSpPr>
+            <a:spLocks noGrp="1"/>
+          </p:cNvSpPr>
+          <p:nvPr>
+            <p:ph type="title"/>
+          </p:nvPr>
+        </p:nvSpPr>
+        <p:spPr/>
+        <p:txBody>
+          <a:bodyPr/>
+          <a:p>
+            <a:r>
+              <a:rPr lang="zh-CN" altLang="en-US"/>
+              <a:t>数据库</a:t>
+            </a:r>
+            <a:endParaRPr lang="zh-CN" altLang="en-US"/>
+          </a:p>
+        </p:txBody>
+      </p:sp>
+      <p:sp>
+        <p:nvSpPr>
+          <p:cNvPr id="3" name="内容占位符 2"/>
+          <p:cNvSpPr>
+            <a:spLocks noGrp="1"/>
+          </p:cNvSpPr>
+          <p:nvPr>
+            <p:ph idx="1"/>
+          </p:nvPr>
+        </p:nvSpPr>
+        <p:spPr/>
+        <p:txBody>
+          <a:bodyPr/>
+          <a:p>
+            <a:r>
+              <a:rPr lang="en-US" altLang="zh-CN"/>
+              <a:t>ER</a:t>
+            </a:r>
+            <a:r>
+              <a:rPr lang="zh-CN" altLang="en-US"/>
+              <a:t>图</a:t>
+            </a:r>
+            <a:endParaRPr lang="zh-CN" altLang="en-US"/>
+          </a:p>
+        </p:txBody>
+      </p:sp>
+      <p:pic>
+        <p:nvPicPr>
+          <p:cNvPr id="5" name="图片 4" descr="ER"/>
+          <p:cNvPicPr>
+            <a:picLocks noChangeAspect="1"/>
+          </p:cNvPicPr>
+          <p:nvPr/>
+        </p:nvPicPr>
+        <p:blipFill>
+          <a:blip r:embed="rId1"/>
+          <a:stretch>
+            <a:fillRect/>
+          </a:stretch>
+        </p:blipFill>
+        <p:spPr>
+          <a:xfrm>
+            <a:off x="3132455" y="1691005"/>
+            <a:ext cx="6346825" cy="4895215"/>
+          </a:xfrm>
+          <a:prstGeom prst="rect">
+            <a:avLst/>
+          </a:prstGeom>
+        </p:spPr>
+      </p:pic>
+    </p:spTree>
+  </p:cSld>
+  <p:clrMapOvr>
+    <a:masterClrMapping/>
+  </p:clrMapOvr>
+</p:sld>
+</file>
+
+<file path=ppt/slides/slide8.xml><?xml version="1.0" encoding="utf-8"?>
+<p:sld xmlns:a="http://schemas.openxmlformats.org/drawingml/2006/main" xmlns:r="http://schemas.openxmlformats.org/officeDocument/2006/relationships" xmlns:p="http://schemas.openxmlformats.org/presentationml/2006/main">
+  <p:cSld>
+    <p:spTree>
+      <p:nvGrpSpPr>
+        <p:cNvPr id="1" name=""/>
+        <p:cNvGrpSpPr/>
+        <p:nvPr/>
+      </p:nvGrpSpPr>
+      <p:grpSpPr/>
+      <p:sp>
+        <p:nvSpPr>
+          <p:cNvPr id="2" name="标题 1"/>
+          <p:cNvSpPr>
+            <a:spLocks noGrp="1"/>
+          </p:cNvSpPr>
+          <p:nvPr>
+            <p:ph type="title"/>
+          </p:nvPr>
+        </p:nvSpPr>
+        <p:spPr/>
+        <p:txBody>
+          <a:bodyPr/>
+          <a:p>
+            <a:r>
+              <a:rPr lang="zh-CN" altLang="en-US"/>
+              <a:t>数据库</a:t>
+            </a:r>
+            <a:endParaRPr lang="zh-CN" altLang="en-US"/>
+          </a:p>
+        </p:txBody>
+      </p:sp>
+      <p:sp>
+        <p:nvSpPr>
+          <p:cNvPr id="3" name="内容占位符 2"/>
+          <p:cNvSpPr>
+            <a:spLocks noGrp="1"/>
+          </p:cNvSpPr>
+          <p:nvPr>
+            <p:ph idx="1"/>
+          </p:nvPr>
+        </p:nvSpPr>
+        <p:spPr/>
+        <p:txBody>
+          <a:bodyPr/>
+          <a:p>
+            <a:r>
+              <a:rPr lang="zh-CN" altLang="en-US"/>
+              <a:t>数据表</a:t>
+            </a:r>
+            <a:endParaRPr lang="zh-CN" altLang="en-US"/>
+          </a:p>
+        </p:txBody>
+      </p:sp>
+      <p:pic>
+        <p:nvPicPr>
+          <p:cNvPr id="4" name="图片 3"/>
+          <p:cNvPicPr>
+            <a:picLocks noChangeAspect="1"/>
+          </p:cNvPicPr>
+          <p:nvPr/>
+        </p:nvPicPr>
+        <p:blipFill>
+          <a:blip r:embed="rId1"/>
+          <a:stretch>
+            <a:fillRect/>
+          </a:stretch>
+        </p:blipFill>
+        <p:spPr>
+          <a:xfrm>
+            <a:off x="2598420" y="1953260"/>
+            <a:ext cx="7468235" cy="2888615"/>
+          </a:xfrm>
+          <a:prstGeom prst="rect">
+            <a:avLst/>
+          </a:prstGeom>
+        </p:spPr>
+      </p:pic>
+      <p:pic>
+        <p:nvPicPr>
+          <p:cNvPr id="5" name="图片 4"/>
+          <p:cNvPicPr>
+            <a:picLocks noChangeAspect="1"/>
+          </p:cNvPicPr>
+          <p:nvPr/>
+        </p:nvPicPr>
+        <p:blipFill>
+          <a:blip r:embed="rId2"/>
+          <a:stretch>
+            <a:fillRect/>
+          </a:stretch>
+        </p:blipFill>
+        <p:spPr>
+          <a:xfrm>
+            <a:off x="2598420" y="1606550"/>
+            <a:ext cx="5937250" cy="3644900"/>
+          </a:xfrm>
+          <a:prstGeom prst="rect">
+            <a:avLst/>
+          </a:prstGeom>
+        </p:spPr>
+      </p:pic>
+      <p:pic>
+        <p:nvPicPr>
+          <p:cNvPr id="6" name="图片 5"/>
+          <p:cNvPicPr>
+            <a:picLocks noChangeAspect="1"/>
+          </p:cNvPicPr>
+          <p:nvPr/>
+        </p:nvPicPr>
+        <p:blipFill>
+          <a:blip r:embed="rId3"/>
+          <a:stretch>
+            <a:fillRect/>
+          </a:stretch>
+        </p:blipFill>
+        <p:spPr>
+          <a:xfrm>
+            <a:off x="2482850" y="1606550"/>
+            <a:ext cx="5880100" cy="2832100"/>
+          </a:xfrm>
+          <a:prstGeom prst="rect">
+            <a:avLst/>
+          </a:prstGeom>
+        </p:spPr>
+      </p:pic>
+      <p:pic>
+        <p:nvPicPr>
+          <p:cNvPr id="7" name="图片 6"/>
+          <p:cNvPicPr>
+            <a:picLocks noChangeAspect="1"/>
+          </p:cNvPicPr>
+          <p:nvPr/>
+        </p:nvPicPr>
+        <p:blipFill>
+          <a:blip r:embed="rId4"/>
+          <a:stretch>
+            <a:fillRect/>
+          </a:stretch>
+        </p:blipFill>
+        <p:spPr>
+          <a:xfrm>
+            <a:off x="2482850" y="1606550"/>
+            <a:ext cx="5988050" cy="2089150"/>
+          </a:xfrm>
+          <a:prstGeom prst="rect">
+            <a:avLst/>
+          </a:prstGeom>
+        </p:spPr>
+      </p:pic>
+      <p:pic>
+        <p:nvPicPr>
+          <p:cNvPr id="8" name="图片 7"/>
+          <p:cNvPicPr>
+            <a:picLocks noChangeAspect="1"/>
+          </p:cNvPicPr>
+          <p:nvPr/>
+        </p:nvPicPr>
+        <p:blipFill>
+          <a:blip r:embed="rId5"/>
+          <a:stretch>
+            <a:fillRect/>
+          </a:stretch>
+        </p:blipFill>
+        <p:spPr>
+          <a:xfrm>
+            <a:off x="2482850" y="1691005"/>
+            <a:ext cx="6153150" cy="2266950"/>
+          </a:xfrm>
+          <a:prstGeom prst="rect">
+            <a:avLst/>
+          </a:prstGeom>
+        </p:spPr>
+      </p:pic>
+      <p:pic>
+        <p:nvPicPr>
+          <p:cNvPr id="9" name="图片 8"/>
+          <p:cNvPicPr>
+            <a:picLocks noChangeAspect="1"/>
+          </p:cNvPicPr>
+          <p:nvPr/>
+        </p:nvPicPr>
+        <p:blipFill>
+          <a:blip r:embed="rId6"/>
+          <a:stretch>
+            <a:fillRect/>
+          </a:stretch>
+        </p:blipFill>
+        <p:spPr>
+          <a:xfrm>
+            <a:off x="2571750" y="1234440"/>
+            <a:ext cx="5899150" cy="3949700"/>
+          </a:xfrm>
+          <a:prstGeom prst="rect">
+            <a:avLst/>
+          </a:prstGeom>
+        </p:spPr>
+      </p:pic>
+      <p:pic>
+        <p:nvPicPr>
+          <p:cNvPr id="10" name="图片 9"/>
+          <p:cNvPicPr>
+            <a:picLocks noChangeAspect="1"/>
+          </p:cNvPicPr>
+          <p:nvPr/>
+        </p:nvPicPr>
+        <p:blipFill>
+          <a:blip r:embed="rId7"/>
+          <a:stretch>
+            <a:fillRect/>
+          </a:stretch>
+        </p:blipFill>
+        <p:spPr>
+          <a:xfrm>
+            <a:off x="2598420" y="1335405"/>
+            <a:ext cx="5924550" cy="2978150"/>
+          </a:xfrm>
+          <a:prstGeom prst="rect">
+            <a:avLst/>
+          </a:prstGeom>
+        </p:spPr>
+      </p:pic>
+      <p:pic>
+        <p:nvPicPr>
+          <p:cNvPr id="11" name="图片 10"/>
+          <p:cNvPicPr>
+            <a:picLocks noChangeAspect="1"/>
+          </p:cNvPicPr>
+          <p:nvPr/>
+        </p:nvPicPr>
+        <p:blipFill>
+          <a:blip r:embed="rId8"/>
+          <a:stretch>
+            <a:fillRect/>
+          </a:stretch>
+        </p:blipFill>
+        <p:spPr>
+          <a:xfrm>
+            <a:off x="2495550" y="1335405"/>
+            <a:ext cx="5975350" cy="2673350"/>
+          </a:xfrm>
+          <a:prstGeom prst="rect">
+            <a:avLst/>
+          </a:prstGeom>
+        </p:spPr>
+      </p:pic>
+      <p:pic>
+        <p:nvPicPr>
+          <p:cNvPr id="12" name="图片 11"/>
+          <p:cNvPicPr>
+            <a:picLocks noChangeAspect="1"/>
+          </p:cNvPicPr>
+          <p:nvPr/>
+        </p:nvPicPr>
+        <p:blipFill>
+          <a:blip r:embed="rId9"/>
+          <a:stretch>
+            <a:fillRect/>
+          </a:stretch>
+        </p:blipFill>
+        <p:spPr>
+          <a:xfrm>
+            <a:off x="2571750" y="1335405"/>
+            <a:ext cx="6032500" cy="1765300"/>
+          </a:xfrm>
+          <a:prstGeom prst="rect">
+            <a:avLst/>
+          </a:prstGeom>
+        </p:spPr>
+      </p:pic>
+      <p:pic>
+        <p:nvPicPr>
+          <p:cNvPr id="13" name="图片 12"/>
+          <p:cNvPicPr>
+            <a:picLocks noChangeAspect="1"/>
+          </p:cNvPicPr>
+          <p:nvPr/>
+        </p:nvPicPr>
+        <p:blipFill>
+          <a:blip r:embed="rId10"/>
+          <a:stretch>
+            <a:fillRect/>
+          </a:stretch>
+        </p:blipFill>
+        <p:spPr>
+          <a:xfrm>
+            <a:off x="2598420" y="1335405"/>
+            <a:ext cx="6057900" cy="1930400"/>
+          </a:xfrm>
+          <a:prstGeom prst="rect">
+            <a:avLst/>
+          </a:prstGeom>
+        </p:spPr>
+      </p:pic>
+    </p:spTree>
+  </p:cSld>
+  <p:clrMapOvr>
+    <a:masterClrMapping/>
+  </p:clrMapOvr>
+  <p:timing>
+    <p:tnLst>
+      <p:par>
+        <p:cTn id="1" dur="indefinite" restart="never" nodeType="tmRoot">
+          <p:childTnLst>
+            <p:seq concurrent="1" nextAc="seek">
+              <p:cTn id="2" dur="indefinite" nodeType="mainSeq">
+                <p:childTnLst>
+                  <p:par>
+                    <p:cTn id="3" fill="hold">
+                      <p:stCondLst>
+                        <p:cond delay="indefinite"/>
+                      </p:stCondLst>
+                      <p:childTnLst>
+                        <p:par>
+                          <p:cTn id="4" fill="hold">
+                            <p:stCondLst>
+                              <p:cond delay="0"/>
+                            </p:stCondLst>
+                            <p:childTnLst>
+                              <p:par>
+                                <p:cTn id="5" presetID="2" presetClass="entr" presetSubtype="4" fill="hold" nodeType="clickEffect">
+                                  <p:stCondLst>
+                                    <p:cond delay="0"/>
+                                  </p:stCondLst>
+                                  <p:childTnLst>
+                                    <p:set>
+                                      <p:cBhvr>
+                                        <p:cTn id="6" dur="1" fill="hold">
+                                          <p:stCondLst>
+                                            <p:cond delay="0"/>
+                                          </p:stCondLst>
+                                        </p:cTn>
+                                        <p:tgtEl>
+                                          <p:spTgt spid="5"/>
+                                        </p:tgtEl>
+                                        <p:attrNameLst>
+                                          <p:attrName>style.visibility</p:attrName>
+                                        </p:attrNameLst>
+                                      </p:cBhvr>
+                                      <p:to>
+                                        <p:strVal val="visible"/>
+                                      </p:to>
+                                    </p:set>
+                                    <p:anim calcmode="lin" valueType="num">
+                                      <p:cBhvr additive="base">
+                                        <p:cTn id="7" dur="500" fill="hold"/>
+                                        <p:tgtEl>
+                                          <p:spTgt spid="5"/>
+                                        </p:tgtEl>
+                                        <p:attrNameLst>
+                                          <p:attrName>ppt_x</p:attrName>
+                                        </p:attrNameLst>
+                                      </p:cBhvr>
+                                      <p:tavLst>
+                                        <p:tav tm="0">
+                                          <p:val>
+                                            <p:strVal val="#ppt_x"/>
+                                          </p:val>
+                                        </p:tav>
+                                        <p:tav tm="100000">
+                                          <p:val>
+                                            <p:strVal val="#ppt_x"/>
+                                          </p:val>
+                                        </p:tav>
+                                      </p:tavLst>
+                                    </p:anim>
+                                    <p:anim calcmode="lin" valueType="num">
+                                      <p:cBhvr additive="base">
+                                        <p:cTn id="8" dur="500" fill="hold"/>
+                                        <p:tgtEl>
+                                          <p:spTgt spid="5"/>
+                                        </p:tgtEl>
+                                        <p:attrNameLst>
+                                          <p:attrName>ppt_y</p:attrName>
+                                        </p:attrNameLst>
+                                      </p:cBhvr>
+                                      <p:tavLst>
+                                        <p:tav tm="0">
+                                          <p:val>
+                                            <p:strVal val="1+#ppt_h/2"/>
+                                          </p:val>
+                                        </p:tav>
+                                        <p:tav tm="100000">
+                                          <p:val>
+                                            <p:strVal val="#ppt_y"/>
+                                          </p:val>
+                                        </p:tav>
+                                      </p:tavLst>
+                                    </p:anim>
+                                  </p:childTnLst>
+                                </p:cTn>
+                              </p:par>
+                            </p:childTnLst>
+                          </p:cTn>
+                        </p:par>
+                      </p:childTnLst>
+                    </p:cTn>
+                  </p:par>
+                  <p:par>
+                    <p:cTn id="9" fill="hold">
+                      <p:stCondLst>
+                        <p:cond delay="indefinite"/>
+                      </p:stCondLst>
+                      <p:childTnLst>
+                        <p:par>
+                          <p:cTn id="10" fill="hold">
+                            <p:stCondLst>
+                              <p:cond delay="0"/>
+                            </p:stCondLst>
+                            <p:childTnLst>
+                              <p:par>
+                                <p:cTn id="11" presetID="2" presetClass="entr" presetSubtype="4" fill="hold" nodeType="clickEffect">
+                                  <p:stCondLst>
+                                    <p:cond delay="0"/>
+                                  </p:stCondLst>
+                                  <p:childTnLst>
+                                    <p:set>
+                                      <p:cBhvr>
+                                        <p:cTn id="12" dur="1" fill="hold">
+                                          <p:stCondLst>
+                                            <p:cond delay="0"/>
+                                          </p:stCondLst>
+                                        </p:cTn>
+                                        <p:tgtEl>
+                                          <p:spTgt spid="6"/>
+                                        </p:tgtEl>
+                                        <p:attrNameLst>
+                                          <p:attrName>style.visibility</p:attrName>
+                                        </p:attrNameLst>
+                                      </p:cBhvr>
+                                      <p:to>
+                                        <p:strVal val="visible"/>
+                                      </p:to>
+                                    </p:set>
+                                    <p:anim calcmode="lin" valueType="num">
+                                      <p:cBhvr additive="base">
+                                        <p:cTn id="13" dur="500" fill="hold"/>
+                                        <p:tgtEl>
+                                          <p:spTgt spid="6"/>
+                                        </p:tgtEl>
+                                        <p:attrNameLst>
+                                          <p:attrName>ppt_x</p:attrName>
+                                        </p:attrNameLst>
+                                      </p:cBhvr>
+                                      <p:tavLst>
+                                        <p:tav tm="0">
+                                          <p:val>
+                                            <p:strVal val="#ppt_x"/>
+                                          </p:val>
+                                        </p:tav>
+                                        <p:tav tm="100000">
+                                          <p:val>
+                                            <p:strVal val="#ppt_x"/>
+                                          </p:val>
+                                        </p:tav>
+                                      </p:tavLst>
+                                    </p:anim>
+                                    <p:anim calcmode="lin" valueType="num">
+                                      <p:cBhvr additive="base">
+                                        <p:cTn id="14" dur="500" fill="hold"/>
+                                        <p:tgtEl>
+                                          <p:spTgt spid="6"/>
+                                        </p:tgtEl>
+                                        <p:attrNameLst>
+                                          <p:attrName>ppt_y</p:attrName>
+                                        </p:attrNameLst>
+                                      </p:cBhvr>
+                                      <p:tavLst>
+                                        <p:tav tm="0">
+                                          <p:val>
+                                            <p:strVal val="1+#ppt_h/2"/>
+                                          </p:val>
+                                        </p:tav>
+                                        <p:tav tm="100000">
+                                          <p:val>
+                                            <p:strVal val="#ppt_y"/>
+                                          </p:val>
+                                        </p:tav>
+                                      </p:tavLst>
+                                    </p:anim>
+                                  </p:childTnLst>
+                                </p:cTn>
+                              </p:par>
+                            </p:childTnLst>
+                          </p:cTn>
+                        </p:par>
+                      </p:childTnLst>
+                    </p:cTn>
+                  </p:par>
+                  <p:par>
+                    <p:cTn id="15" fill="hold">
+                      <p:stCondLst>
+                        <p:cond delay="indefinite"/>
+                      </p:stCondLst>
+                      <p:childTnLst>
+                        <p:par>
+                          <p:cTn id="16" fill="hold">
+                            <p:stCondLst>
+                              <p:cond delay="0"/>
+                            </p:stCondLst>
+                            <p:childTnLst>
+                              <p:par>
+                                <p:cTn id="17" presetID="2" presetClass="entr" presetSubtype="4" fill="hold" nodeType="clickEffect">
+                                  <p:stCondLst>
+                                    <p:cond delay="0"/>
+                                  </p:stCondLst>
+                                  <p:childTnLst>
+                                    <p:set>
+                                      <p:cBhvr>
+                                        <p:cTn id="18" dur="1" fill="hold">
+                                          <p:stCondLst>
+                                            <p:cond delay="0"/>
+                                          </p:stCondLst>
+                                        </p:cTn>
+                                        <p:tgtEl>
+                                          <p:spTgt spid="7"/>
+                                        </p:tgtEl>
+                                        <p:attrNameLst>
+                                          <p:attrName>style.visibility</p:attrName>
+                                        </p:attrNameLst>
+                                      </p:cBhvr>
+                                      <p:to>
+                                        <p:strVal val="visible"/>
+                                      </p:to>
+                                    </p:set>
+                                    <p:anim calcmode="lin" valueType="num">
+                                      <p:cBhvr additive="base">
+                                        <p:cTn id="19" dur="500" fill="hold"/>
+                                        <p:tgtEl>
+                                          <p:spTgt spid="7"/>
+                                        </p:tgtEl>
+                                        <p:attrNameLst>
+                                          <p:attrName>ppt_x</p:attrName>
+                                        </p:attrNameLst>
+                                      </p:cBhvr>
+                                      <p:tavLst>
+                                        <p:tav tm="0">
+                                          <p:val>
+                                            <p:strVal val="#ppt_x"/>
+                                          </p:val>
+                                        </p:tav>
+                                        <p:tav tm="100000">
+                                          <p:val>
+                                            <p:strVal val="#ppt_x"/>
+                                          </p:val>
+                                        </p:tav>
+                                      </p:tavLst>
+                                    </p:anim>
+                                    <p:anim calcmode="lin" valueType="num">
+                                      <p:cBhvr additive="base">
+                                        <p:cTn id="20" dur="500" fill="hold"/>
+                                        <p:tgtEl>
+                                          <p:spTgt spid="7"/>
+                                        </p:tgtEl>
+                                        <p:attrNameLst>
+                                          <p:attrName>ppt_y</p:attrName>
+                                        </p:attrNameLst>
+                                      </p:cBhvr>
+                                      <p:tavLst>
+                                        <p:tav tm="0">
+                                          <p:val>
+                                            <p:strVal val="1+#ppt_h/2"/>
+                                          </p:val>
+                                        </p:tav>
+                                        <p:tav tm="100000">
+                                          <p:val>
+                                            <p:strVal val="#ppt_y"/>
+                                          </p:val>
+                                        </p:tav>
+                                      </p:tavLst>
+                                    </p:anim>
+                                  </p:childTnLst>
+                                </p:cTn>
+                              </p:par>
+                            </p:childTnLst>
+                          </p:cTn>
+                        </p:par>
+                      </p:childTnLst>
+                    </p:cTn>
+                  </p:par>
+                  <p:par>
+                    <p:cTn id="21" fill="hold">
+                      <p:stCondLst>
+                        <p:cond delay="indefinite"/>
+                      </p:stCondLst>
+                      <p:childTnLst>
+                        <p:par>
+                          <p:cTn id="22" fill="hold">
+                            <p:stCondLst>
+                              <p:cond delay="0"/>
+                            </p:stCondLst>
+                            <p:childTnLst>
+                              <p:par>
+                                <p:cTn id="23" presetID="2" presetClass="entr" presetSubtype="4" fill="hold" nodeType="clickEffect">
+                                  <p:stCondLst>
+                                    <p:cond delay="0"/>
+                                  </p:stCondLst>
+                                  <p:childTnLst>
+                                    <p:set>
+                                      <p:cBhvr>
+                                        <p:cTn id="24" dur="1" fill="hold">
+                                          <p:stCondLst>
+                                            <p:cond delay="0"/>
+                                          </p:stCondLst>
+                                        </p:cTn>
+                                        <p:tgtEl>
+                                          <p:spTgt spid="8"/>
+                                        </p:tgtEl>
+                                        <p:attrNameLst>
+                                          <p:attrName>style.visibility</p:attrName>
+                                        </p:attrNameLst>
+                                      </p:cBhvr>
+                                      <p:to>
+                                        <p:strVal val="visible"/>
+                                      </p:to>
+                                    </p:set>
+                                    <p:anim calcmode="lin" valueType="num">
+                                      <p:cBhvr additive="base">
+                                        <p:cTn id="25" dur="500" fill="hold"/>
+                                        <p:tgtEl>
+                                          <p:spTgt spid="8"/>
+                                        </p:tgtEl>
+                                        <p:attrNameLst>
+                                          <p:attrName>ppt_x</p:attrName>
+                                        </p:attrNameLst>
+                                      </p:cBhvr>
+                                      <p:tavLst>
+                                        <p:tav tm="0">
+                                          <p:val>
+                                            <p:strVal val="#ppt_x"/>
+                                          </p:val>
+                                        </p:tav>
+                                        <p:tav tm="100000">
+                                          <p:val>
+                                            <p:strVal val="#ppt_x"/>
+                                          </p:val>
+                                        </p:tav>
+                                      </p:tavLst>
+                                    </p:anim>
+                                    <p:anim calcmode="lin" valueType="num">
+                                      <p:cBhvr additive="base">
+                                        <p:cTn id="26" dur="500" fill="hold"/>
+                                        <p:tgtEl>
+                                          <p:spTgt spid="8"/>
+                                        </p:tgtEl>
+                                        <p:attrNameLst>
+                                          <p:attrName>ppt_y</p:attrName>
+                                        </p:attrNameLst>
+                                      </p:cBhvr>
+                                      <p:tavLst>
+                                        <p:tav tm="0">
+                                          <p:val>
+                                            <p:strVal val="1+#ppt_h/2"/>
+                                          </p:val>
+                                        </p:tav>
+                                        <p:tav tm="100000">
+                                          <p:val>
+                                            <p:strVal val="#ppt_y"/>
+                                          </p:val>
+                                        </p:tav>
+                                      </p:tavLst>
+                                    </p:anim>
+                                  </p:childTnLst>
+                                </p:cTn>
+                              </p:par>
+                            </p:childTnLst>
+                          </p:cTn>
+                        </p:par>
+                      </p:childTnLst>
+                    </p:cTn>
+                  </p:par>
+                  <p:par>
+                    <p:cTn id="27" fill="hold">
+                      <p:stCondLst>
+                        <p:cond delay="indefinite"/>
+                      </p:stCondLst>
+                      <p:childTnLst>
+                        <p:par>
+                          <p:cTn id="28" fill="hold">
+                            <p:stCondLst>
+                              <p:cond delay="0"/>
+                            </p:stCondLst>
+                            <p:childTnLst>
+                              <p:par>
+                                <p:cTn id="29" presetID="2" presetClass="entr" presetSubtype="4" fill="hold" nodeType="clickEffect">
+                                  <p:stCondLst>
+                                    <p:cond delay="0"/>
+                                  </p:stCondLst>
+                                  <p:childTnLst>
+                                    <p:set>
+                                      <p:cBhvr>
+                                        <p:cTn id="30" dur="1" fill="hold">
+                                          <p:stCondLst>
+                                            <p:cond delay="0"/>
+                                          </p:stCondLst>
+                                        </p:cTn>
+                                        <p:tgtEl>
+                                          <p:spTgt spid="9"/>
+                                        </p:tgtEl>
+                                        <p:attrNameLst>
+                                          <p:attrName>style.visibility</p:attrName>
+                                        </p:attrNameLst>
+                                      </p:cBhvr>
+                                      <p:to>
+                                        <p:strVal val="visible"/>
+                                      </p:to>
+                                    </p:set>
+                                    <p:anim calcmode="lin" valueType="num">
+                                      <p:cBhvr additive="base">
+                                        <p:cTn id="31" dur="500" fill="hold"/>
+                                        <p:tgtEl>
+                                          <p:spTgt spid="9"/>
+                                        </p:tgtEl>
+                                        <p:attrNameLst>
+                                          <p:attrName>ppt_x</p:attrName>
+                                        </p:attrNameLst>
+                                      </p:cBhvr>
+                                      <p:tavLst>
+                                        <p:tav tm="0">
+                                          <p:val>
+                                            <p:strVal val="#ppt_x"/>
+                                          </p:val>
+                                        </p:tav>
+                                        <p:tav tm="100000">
+                                          <p:val>
+                                            <p:strVal val="#ppt_x"/>
+                                          </p:val>
+                                        </p:tav>
+                                      </p:tavLst>
+                                    </p:anim>
+                                    <p:anim calcmode="lin" valueType="num">
+                                      <p:cBhvr additive="base">
+                                        <p:cTn id="32" dur="500" fill="hold"/>
+                                        <p:tgtEl>
+                                          <p:spTgt spid="9"/>
+                                        </p:tgtEl>
+                                        <p:attrNameLst>
+                                          <p:attrName>ppt_y</p:attrName>
+                                        </p:attrNameLst>
+                                      </p:cBhvr>
+                                      <p:tavLst>
+                                        <p:tav tm="0">
+                                          <p:val>
+                                            <p:strVal val="1+#ppt_h/2"/>
+                                          </p:val>
+                                        </p:tav>
+                                        <p:tav tm="100000">
+                                          <p:val>
+                                            <p:strVal val="#ppt_y"/>
+                                          </p:val>
+                                        </p:tav>
+                                      </p:tavLst>
+                                    </p:anim>
+                                  </p:childTnLst>
+                                </p:cTn>
+                              </p:par>
+                            </p:childTnLst>
+                          </p:cTn>
+                        </p:par>
+                      </p:childTnLst>
+                    </p:cTn>
+                  </p:par>
+                  <p:par>
+                    <p:cTn id="33" fill="hold">
+                      <p:stCondLst>
+                        <p:cond delay="indefinite"/>
+                      </p:stCondLst>
+                      <p:childTnLst>
+                        <p:par>
+                          <p:cTn id="34" fill="hold">
+                            <p:stCondLst>
+                              <p:cond delay="0"/>
+                            </p:stCondLst>
+                            <p:childTnLst>
+                              <p:par>
+                                <p:cTn id="35" presetID="2" presetClass="entr" presetSubtype="4" fill="hold" nodeType="clickEffect">
+                                  <p:stCondLst>
+                                    <p:cond delay="0"/>
+                                  </p:stCondLst>
+                                  <p:childTnLst>
+                                    <p:set>
+                                      <p:cBhvr>
+                                        <p:cTn id="36" dur="1" fill="hold">
+                                          <p:stCondLst>
+                                            <p:cond delay="0"/>
+                                          </p:stCondLst>
+                                        </p:cTn>
+                                        <p:tgtEl>
+                                          <p:spTgt spid="10"/>
+                                        </p:tgtEl>
+                                        <p:attrNameLst>
+                                          <p:attrName>style.visibility</p:attrName>
+                                        </p:attrNameLst>
+                                      </p:cBhvr>
+                                      <p:to>
+                                        <p:strVal val="visible"/>
+                                      </p:to>
+                                    </p:set>
+                                    <p:anim calcmode="lin" valueType="num">
+                                      <p:cBhvr additive="base">
+                                        <p:cTn id="37" dur="500" fill="hold"/>
+                                        <p:tgtEl>
+                                          <p:spTgt spid="10"/>
+                                        </p:tgtEl>
+                                        <p:attrNameLst>
+                                          <p:attrName>ppt_x</p:attrName>
+                                        </p:attrNameLst>
+                                      </p:cBhvr>
+                                      <p:tavLst>
+                                        <p:tav tm="0">
+                                          <p:val>
+                                            <p:strVal val="#ppt_x"/>
+                                          </p:val>
+                                        </p:tav>
+                                        <p:tav tm="100000">
+                                          <p:val>
+                                            <p:strVal val="#ppt_x"/>
+                                          </p:val>
+                                        </p:tav>
+                                      </p:tavLst>
+                                    </p:anim>
+                                    <p:anim calcmode="lin" valueType="num">
+                                      <p:cBhvr additive="base">
+                                        <p:cTn id="38" dur="500" fill="hold"/>
+                                        <p:tgtEl>
+                                          <p:spTgt spid="10"/>
+                                        </p:tgtEl>
+                                        <p:attrNameLst>
+                                          <p:attrName>ppt_y</p:attrName>
+                                        </p:attrNameLst>
+                                      </p:cBhvr>
+                                      <p:tavLst>
+                                        <p:tav tm="0">
+                                          <p:val>
+                                            <p:strVal val="1+#ppt_h/2"/>
+                                          </p:val>
+                                        </p:tav>
+                                        <p:tav tm="100000">
+                                          <p:val>
+                                            <p:strVal val="#ppt_y"/>
+                                          </p:val>
+                                        </p:tav>
+                                      </p:tavLst>
+                                    </p:anim>
+                                  </p:childTnLst>
+                                </p:cTn>
+                              </p:par>
+                            </p:childTnLst>
+                          </p:cTn>
+                        </p:par>
+                      </p:childTnLst>
+                    </p:cTn>
+                  </p:par>
+                  <p:par>
+                    <p:cTn id="39" fill="hold">
+                      <p:stCondLst>
+                        <p:cond delay="indefinite"/>
+                      </p:stCondLst>
+                      <p:childTnLst>
+                        <p:par>
+                          <p:cTn id="40" fill="hold">
+                            <p:stCondLst>
+                              <p:cond delay="0"/>
+                            </p:stCondLst>
+                            <p:childTnLst>
+                              <p:par>
+                                <p:cTn id="41" presetID="2" presetClass="entr" presetSubtype="4" fill="hold" nodeType="clickEffect">
+                                  <p:stCondLst>
+                                    <p:cond delay="0"/>
+                                  </p:stCondLst>
+                                  <p:childTnLst>
+                                    <p:set>
+                                      <p:cBhvr>
+                                        <p:cTn id="42" dur="1" fill="hold">
+                                          <p:stCondLst>
+                                            <p:cond delay="0"/>
+                                          </p:stCondLst>
+                                        </p:cTn>
+                                        <p:tgtEl>
+                                          <p:spTgt spid="11"/>
+                                        </p:tgtEl>
+                                        <p:attrNameLst>
+                                          <p:attrName>style.visibility</p:attrName>
+                                        </p:attrNameLst>
+                                      </p:cBhvr>
+                                      <p:to>
+                                        <p:strVal val="visible"/>
+                                      </p:to>
+                                    </p:set>
+                                    <p:anim calcmode="lin" valueType="num">
+                                      <p:cBhvr additive="base">
+                                        <p:cTn id="43" dur="500" fill="hold"/>
+                                        <p:tgtEl>
+                                          <p:spTgt spid="11"/>
+                                        </p:tgtEl>
+                                        <p:attrNameLst>
+                                          <p:attrName>ppt_x</p:attrName>
+                                        </p:attrNameLst>
+                                      </p:cBhvr>
+                                      <p:tavLst>
+                                        <p:tav tm="0">
+                                          <p:val>
+                                            <p:strVal val="#ppt_x"/>
+                                          </p:val>
+                                        </p:tav>
+                                        <p:tav tm="100000">
+                                          <p:val>
+                                            <p:strVal val="#ppt_x"/>
+                                          </p:val>
+                                        </p:tav>
+                                      </p:tavLst>
+                                    </p:anim>
+                                    <p:anim calcmode="lin" valueType="num">
+                                      <p:cBhvr additive="base">
+                                        <p:cTn id="44" dur="500" fill="hold"/>
+                                        <p:tgtEl>
+                                          <p:spTgt spid="11"/>
+                                        </p:tgtEl>
+                                        <p:attrNameLst>
+                                          <p:attrName>ppt_y</p:attrName>
+                                        </p:attrNameLst>
+                                      </p:cBhvr>
+                                      <p:tavLst>
+                                        <p:tav tm="0">
+                                          <p:val>
+                                            <p:strVal val="1+#ppt_h/2"/>
+                                          </p:val>
+                                        </p:tav>
+                                        <p:tav tm="100000">
+                                          <p:val>
+                                            <p:strVal val="#ppt_y"/>
+                                          </p:val>
+                                        </p:tav>
+                                      </p:tavLst>
+                                    </p:anim>
+                                  </p:childTnLst>
+                                </p:cTn>
+                              </p:par>
+                            </p:childTnLst>
+                          </p:cTn>
+                        </p:par>
+                      </p:childTnLst>
+                    </p:cTn>
+                  </p:par>
+                  <p:par>
+                    <p:cTn id="45" fill="hold">
+                      <p:stCondLst>
+                        <p:cond delay="indefinite"/>
+                      </p:stCondLst>
+                      <p:childTnLst>
+                        <p:par>
+                          <p:cTn id="46" fill="hold">
+                            <p:stCondLst>
+                              <p:cond delay="0"/>
+                            </p:stCondLst>
+                            <p:childTnLst>
+                              <p:par>
+                                <p:cTn id="47" presetID="2" presetClass="entr" presetSubtype="4" fill="hold" nodeType="clickEffect">
+                                  <p:stCondLst>
+                                    <p:cond delay="0"/>
+                                  </p:stCondLst>
+                                  <p:childTnLst>
+                                    <p:set>
+                                      <p:cBhvr>
+                                        <p:cTn id="48" dur="1" fill="hold">
+                                          <p:stCondLst>
+                                            <p:cond delay="0"/>
+                                          </p:stCondLst>
+                                        </p:cTn>
+                                        <p:tgtEl>
+                                          <p:spTgt spid="12"/>
+                                        </p:tgtEl>
+                                        <p:attrNameLst>
+                                          <p:attrName>style.visibility</p:attrName>
+                                        </p:attrNameLst>
+                                      </p:cBhvr>
+                                      <p:to>
+                                        <p:strVal val="visible"/>
+                                      </p:to>
+                                    </p:set>
+                                    <p:anim calcmode="lin" valueType="num">
+                                      <p:cBhvr additive="base">
+                                        <p:cTn id="49" dur="500" fill="hold"/>
+                                        <p:tgtEl>
+                                          <p:spTgt spid="12"/>
+                                        </p:tgtEl>
+                                        <p:attrNameLst>
+                                          <p:attrName>ppt_x</p:attrName>
+                                        </p:attrNameLst>
+                                      </p:cBhvr>
+                                      <p:tavLst>
+                                        <p:tav tm="0">
+                                          <p:val>
+                                            <p:strVal val="#ppt_x"/>
+                                          </p:val>
+                                        </p:tav>
+                                        <p:tav tm="100000">
+                                          <p:val>
+                                            <p:strVal val="#ppt_x"/>
+                                          </p:val>
+                                        </p:tav>
+                                      </p:tavLst>
+                                    </p:anim>
+                                    <p:anim calcmode="lin" valueType="num">
+                                      <p:cBhvr additive="base">
+                                        <p:cTn id="50" dur="500" fill="hold"/>
+                                        <p:tgtEl>
+                                          <p:spTgt spid="12"/>
+                                        </p:tgtEl>
+                                        <p:attrNameLst>
+                                          <p:attrName>ppt_y</p:attrName>
+                                        </p:attrNameLst>
+                                      </p:cBhvr>
+                                      <p:tavLst>
+                                        <p:tav tm="0">
+                                          <p:val>
+                                            <p:strVal val="1+#ppt_h/2"/>
+                                          </p:val>
+                                        </p:tav>
+                                        <p:tav tm="100000">
+                                          <p:val>
+                                            <p:strVal val="#ppt_y"/>
+                                          </p:val>
+                                        </p:tav>
+                                      </p:tavLst>
+                                    </p:anim>
+                                  </p:childTnLst>
+                                </p:cTn>
+                              </p:par>
+                            </p:childTnLst>
+                          </p:cTn>
+                        </p:par>
+                      </p:childTnLst>
+                    </p:cTn>
+                  </p:par>
+                  <p:par>
+                    <p:cTn id="51" fill="hold">
+                      <p:stCondLst>
+                        <p:cond delay="indefinite"/>
+                      </p:stCondLst>
+                      <p:childTnLst>
+                        <p:par>
+                          <p:cTn id="52" fill="hold">
+                            <p:stCondLst>
+                              <p:cond delay="0"/>
+                            </p:stCondLst>
+                            <p:childTnLst>
+                              <p:par>
+                                <p:cTn id="53" presetID="2" presetClass="entr" presetSubtype="4" fill="hold" nodeType="clickEffect">
+                                  <p:stCondLst>
+                                    <p:cond delay="0"/>
+                                  </p:stCondLst>
+                                  <p:childTnLst>
+                                    <p:set>
+                                      <p:cBhvr>
+                                        <p:cTn id="54" dur="1" fill="hold">
+                                          <p:stCondLst>
+                                            <p:cond delay="0"/>
+                                          </p:stCondLst>
+                                        </p:cTn>
+                                        <p:tgtEl>
+                                          <p:spTgt spid="13"/>
+                                        </p:tgtEl>
+                                        <p:attrNameLst>
+                                          <p:attrName>style.visibility</p:attrName>
+                                        </p:attrNameLst>
+                                      </p:cBhvr>
+                                      <p:to>
+                                        <p:strVal val="visible"/>
+                                      </p:to>
+                                    </p:set>
+                                    <p:anim calcmode="lin" valueType="num">
+                                      <p:cBhvr additive="base">
+                                        <p:cTn id="55" dur="500" fill="hold"/>
+                                        <p:tgtEl>
+                                          <p:spTgt spid="13"/>
+                                        </p:tgtEl>
+                                        <p:attrNameLst>
+                                          <p:attrName>ppt_x</p:attrName>
+                                        </p:attrNameLst>
+                                      </p:cBhvr>
+                                      <p:tavLst>
+                                        <p:tav tm="0">
+                                          <p:val>
+                                            <p:strVal val="#ppt_x"/>
+                                          </p:val>
+                                        </p:tav>
+                                        <p:tav tm="100000">
+                                          <p:val>
+                                            <p:strVal val="#ppt_x"/>
+                                          </p:val>
+                                        </p:tav>
+                                      </p:tavLst>
+                                    </p:anim>
+                                    <p:anim calcmode="lin" valueType="num">
+                                      <p:cBhvr additive="base">
+                                        <p:cTn id="56" dur="500" fill="hold"/>
+                                        <p:tgtEl>
+                                          <p:spTgt spid="13"/>
                                         </p:tgtEl>
                                         <p:attrNameLst>
                                           <p:attrName>ppt_y</p:attrName>
